--- a/doc/04.直播.pptx
+++ b/doc/04.直播.pptx
@@ -278,7 +278,7 @@
           <a:p>
             <a:fld id="{1B7BBEA4-24BC-4F9A-BA49-26A596A24E96}" type="datetimeFigureOut">
               <a:rPr lang="zh-CN" altLang="en-US" smtClean="0"/>
-              <a:t>2021/4/15</a:t>
+              <a:t>2021/4/17</a:t>
             </a:fld>
             <a:endParaRPr lang="zh-CN" altLang="en-US"/>
           </a:p>
@@ -476,7 +476,7 @@
           <a:p>
             <a:fld id="{1B7BBEA4-24BC-4F9A-BA49-26A596A24E96}" type="datetimeFigureOut">
               <a:rPr lang="zh-CN" altLang="en-US" smtClean="0"/>
-              <a:t>2021/4/15</a:t>
+              <a:t>2021/4/17</a:t>
             </a:fld>
             <a:endParaRPr lang="zh-CN" altLang="en-US"/>
           </a:p>
@@ -684,7 +684,7 @@
           <a:p>
             <a:fld id="{1B7BBEA4-24BC-4F9A-BA49-26A596A24E96}" type="datetimeFigureOut">
               <a:rPr lang="zh-CN" altLang="en-US" smtClean="0"/>
-              <a:t>2021/4/15</a:t>
+              <a:t>2021/4/17</a:t>
             </a:fld>
             <a:endParaRPr lang="zh-CN" altLang="en-US"/>
           </a:p>
@@ -882,7 +882,7 @@
           <a:p>
             <a:fld id="{1B7BBEA4-24BC-4F9A-BA49-26A596A24E96}" type="datetimeFigureOut">
               <a:rPr lang="zh-CN" altLang="en-US" smtClean="0"/>
-              <a:t>2021/4/15</a:t>
+              <a:t>2021/4/17</a:t>
             </a:fld>
             <a:endParaRPr lang="zh-CN" altLang="en-US"/>
           </a:p>
@@ -1157,7 +1157,7 @@
           <a:p>
             <a:fld id="{1B7BBEA4-24BC-4F9A-BA49-26A596A24E96}" type="datetimeFigureOut">
               <a:rPr lang="zh-CN" altLang="en-US" smtClean="0"/>
-              <a:t>2021/4/15</a:t>
+              <a:t>2021/4/17</a:t>
             </a:fld>
             <a:endParaRPr lang="zh-CN" altLang="en-US"/>
           </a:p>
@@ -1422,7 +1422,7 @@
           <a:p>
             <a:fld id="{1B7BBEA4-24BC-4F9A-BA49-26A596A24E96}" type="datetimeFigureOut">
               <a:rPr lang="zh-CN" altLang="en-US" smtClean="0"/>
-              <a:t>2021/4/15</a:t>
+              <a:t>2021/4/17</a:t>
             </a:fld>
             <a:endParaRPr lang="zh-CN" altLang="en-US"/>
           </a:p>
@@ -1834,7 +1834,7 @@
           <a:p>
             <a:fld id="{1B7BBEA4-24BC-4F9A-BA49-26A596A24E96}" type="datetimeFigureOut">
               <a:rPr lang="zh-CN" altLang="en-US" smtClean="0"/>
-              <a:t>2021/4/15</a:t>
+              <a:t>2021/4/17</a:t>
             </a:fld>
             <a:endParaRPr lang="zh-CN" altLang="en-US"/>
           </a:p>
@@ -1975,7 +1975,7 @@
           <a:p>
             <a:fld id="{1B7BBEA4-24BC-4F9A-BA49-26A596A24E96}" type="datetimeFigureOut">
               <a:rPr lang="zh-CN" altLang="en-US" smtClean="0"/>
-              <a:t>2021/4/15</a:t>
+              <a:t>2021/4/17</a:t>
             </a:fld>
             <a:endParaRPr lang="zh-CN" altLang="en-US"/>
           </a:p>
@@ -2088,7 +2088,7 @@
           <a:p>
             <a:fld id="{1B7BBEA4-24BC-4F9A-BA49-26A596A24E96}" type="datetimeFigureOut">
               <a:rPr lang="zh-CN" altLang="en-US" smtClean="0"/>
-              <a:t>2021/4/15</a:t>
+              <a:t>2021/4/17</a:t>
             </a:fld>
             <a:endParaRPr lang="zh-CN" altLang="en-US"/>
           </a:p>
@@ -2399,7 +2399,7 @@
           <a:p>
             <a:fld id="{1B7BBEA4-24BC-4F9A-BA49-26A596A24E96}" type="datetimeFigureOut">
               <a:rPr lang="zh-CN" altLang="en-US" smtClean="0"/>
-              <a:t>2021/4/15</a:t>
+              <a:t>2021/4/17</a:t>
             </a:fld>
             <a:endParaRPr lang="zh-CN" altLang="en-US"/>
           </a:p>
@@ -2687,7 +2687,7 @@
           <a:p>
             <a:fld id="{1B7BBEA4-24BC-4F9A-BA49-26A596A24E96}" type="datetimeFigureOut">
               <a:rPr lang="zh-CN" altLang="en-US" smtClean="0"/>
-              <a:t>2021/4/15</a:t>
+              <a:t>2021/4/17</a:t>
             </a:fld>
             <a:endParaRPr lang="zh-CN" altLang="en-US"/>
           </a:p>
@@ -2928,7 +2928,7 @@
           <a:p>
             <a:fld id="{1B7BBEA4-24BC-4F9A-BA49-26A596A24E96}" type="datetimeFigureOut">
               <a:rPr lang="zh-CN" altLang="en-US" smtClean="0"/>
-              <a:t>2021/4/15</a:t>
+              <a:t>2021/4/17</a:t>
             </a:fld>
             <a:endParaRPr lang="zh-CN" altLang="en-US"/>
           </a:p>
@@ -4744,7 +4744,7 @@
         <p:spPr>
           <a:xfrm>
             <a:off x="712379" y="2188136"/>
-            <a:ext cx="2124127" cy="1525447"/>
+            <a:ext cx="2124127" cy="2841064"/>
           </a:xfrm>
           <a:prstGeom prst="roundRect">
             <a:avLst>
@@ -4809,7 +4809,7 @@
                 <a:latin typeface="微软雅黑" panose="020B0503020204020204" pitchFamily="34" charset="-122"/>
                 <a:ea typeface="微软雅黑" panose="020B0503020204020204" pitchFamily="34" charset="-122"/>
               </a:rPr>
-              <a:t>法师</a:t>
+              <a:t>播主</a:t>
             </a:r>
             <a:r>
               <a:rPr lang="en-US" altLang="zh-CN" sz="1400" b="1">
@@ -4820,6 +4820,56 @@
                 <a:ea typeface="微软雅黑" panose="020B0503020204020204" pitchFamily="34" charset="-122"/>
               </a:rPr>
               <a:t>id</a:t>
+            </a:r>
+          </a:p>
+          <a:p>
+            <a:r>
+              <a:rPr lang="zh-CN" altLang="en-US" sz="1400" b="1">
+                <a:solidFill>
+                  <a:schemeClr val="tx1"/>
+                </a:solidFill>
+                <a:latin typeface="微软雅黑" panose="020B0503020204020204" pitchFamily="34" charset="-122"/>
+                <a:ea typeface="微软雅黑" panose="020B0503020204020204" pitchFamily="34" charset="-122"/>
+              </a:rPr>
+              <a:t>标题</a:t>
+            </a:r>
+            <a:endParaRPr lang="en-US" altLang="zh-CN" sz="1400" b="1">
+              <a:solidFill>
+                <a:schemeClr val="tx1"/>
+              </a:solidFill>
+              <a:latin typeface="微软雅黑" panose="020B0503020204020204" pitchFamily="34" charset="-122"/>
+              <a:ea typeface="微软雅黑" panose="020B0503020204020204" pitchFamily="34" charset="-122"/>
+            </a:endParaRPr>
+          </a:p>
+          <a:p>
+            <a:r>
+              <a:rPr lang="zh-CN" altLang="en-US" sz="1400" b="1">
+                <a:solidFill>
+                  <a:schemeClr val="tx1"/>
+                </a:solidFill>
+                <a:latin typeface="微软雅黑" panose="020B0503020204020204" pitchFamily="34" charset="-122"/>
+                <a:ea typeface="微软雅黑" panose="020B0503020204020204" pitchFamily="34" charset="-122"/>
+              </a:rPr>
+              <a:t>简介</a:t>
+            </a:r>
+            <a:endParaRPr lang="en-US" altLang="zh-CN" sz="1400" b="1">
+              <a:solidFill>
+                <a:schemeClr val="tx1"/>
+              </a:solidFill>
+              <a:latin typeface="微软雅黑" panose="020B0503020204020204" pitchFamily="34" charset="-122"/>
+              <a:ea typeface="微软雅黑" panose="020B0503020204020204" pitchFamily="34" charset="-122"/>
+            </a:endParaRPr>
+          </a:p>
+          <a:p>
+            <a:r>
+              <a:rPr lang="zh-CN" altLang="en-US" sz="1400" b="1">
+                <a:solidFill>
+                  <a:schemeClr val="tx1"/>
+                </a:solidFill>
+                <a:latin typeface="微软雅黑" panose="020B0503020204020204" pitchFamily="34" charset="-122"/>
+                <a:ea typeface="微软雅黑" panose="020B0503020204020204" pitchFamily="34" charset="-122"/>
+              </a:rPr>
+              <a:t>封面哈希</a:t>
             </a:r>
             <a:br>
               <a:rPr lang="en-US" altLang="zh-CN" sz="1400" b="1">
@@ -5016,6 +5066,44 @@
               </a:rPr>
               <a:t>]</a:t>
             </a:r>
+          </a:p>
+          <a:p>
+            <a:r>
+              <a:rPr lang="zh-CN" altLang="en-US" sz="1400" b="1">
+                <a:solidFill>
+                  <a:schemeClr val="tx1"/>
+                </a:solidFill>
+                <a:latin typeface="微软雅黑" panose="020B0503020204020204" pitchFamily="34" charset="-122"/>
+                <a:ea typeface="微软雅黑" panose="020B0503020204020204" pitchFamily="34" charset="-122"/>
+              </a:rPr>
+              <a:t>开始时间戳</a:t>
+            </a:r>
+            <a:endParaRPr lang="en-US" altLang="zh-CN" sz="1400" b="1">
+              <a:solidFill>
+                <a:schemeClr val="tx1"/>
+              </a:solidFill>
+              <a:latin typeface="微软雅黑" panose="020B0503020204020204" pitchFamily="34" charset="-122"/>
+              <a:ea typeface="微软雅黑" panose="020B0503020204020204" pitchFamily="34" charset="-122"/>
+            </a:endParaRPr>
+          </a:p>
+          <a:p>
+            <a:r>
+              <a:rPr lang="zh-CN" altLang="en-US" sz="1400" b="1">
+                <a:solidFill>
+                  <a:schemeClr val="tx1"/>
+                </a:solidFill>
+                <a:latin typeface="微软雅黑" panose="020B0503020204020204" pitchFamily="34" charset="-122"/>
+                <a:ea typeface="微软雅黑" panose="020B0503020204020204" pitchFamily="34" charset="-122"/>
+              </a:rPr>
+              <a:t>结束时间戳</a:t>
+            </a:r>
+            <a:endParaRPr lang="en-US" altLang="zh-CN" sz="1400" b="1">
+              <a:solidFill>
+                <a:schemeClr val="tx1"/>
+              </a:solidFill>
+              <a:latin typeface="微软雅黑" panose="020B0503020204020204" pitchFamily="34" charset="-122"/>
+              <a:ea typeface="微软雅黑" panose="020B0503020204020204" pitchFamily="34" charset="-122"/>
+            </a:endParaRPr>
           </a:p>
         </p:txBody>
       </p:sp>
@@ -6807,7 +6895,7 @@
                 <a:latin typeface="微软雅黑" panose="020B0503020204020204" pitchFamily="34" charset="-122"/>
                 <a:ea typeface="微软雅黑" panose="020B0503020204020204" pitchFamily="34" charset="-122"/>
               </a:rPr>
-              <a:t>查看条件</a:t>
+              <a:t>按条件查看</a:t>
             </a:r>
             <a:endParaRPr lang="en-US" altLang="zh-CN" sz="1600" b="1">
               <a:solidFill>
@@ -9923,7 +10011,7 @@
                 <a:latin typeface="微软雅黑" panose="020B0503020204020204" pitchFamily="34" charset="-122"/>
                 <a:ea typeface="微软雅黑" panose="020B0503020204020204" pitchFamily="34" charset="-122"/>
               </a:rPr>
-              <a:t>查看条件</a:t>
+              <a:t>按条件查看</a:t>
             </a:r>
             <a:endParaRPr lang="en-US" altLang="zh-CN" sz="1600" b="1">
               <a:solidFill>
@@ -10825,7 +10913,7 @@
                 <a:latin typeface="微软雅黑" panose="020B0503020204020204" pitchFamily="34" charset="-122"/>
                 <a:ea typeface="微软雅黑" panose="020B0503020204020204" pitchFamily="34" charset="-122"/>
               </a:rPr>
-              <a:t>查看条件</a:t>
+              <a:t>按条件查看</a:t>
             </a:r>
             <a:endParaRPr lang="en-US" altLang="zh-CN" sz="1600" b="1">
               <a:solidFill>
@@ -12451,7 +12539,7 @@
                 <a:latin typeface="微软雅黑" panose="020B0503020204020204" pitchFamily="34" charset="-122"/>
                 <a:ea typeface="微软雅黑" panose="020B0503020204020204" pitchFamily="34" charset="-122"/>
               </a:rPr>
-              <a:t>查看条件</a:t>
+              <a:t>按条件查看</a:t>
             </a:r>
             <a:endParaRPr lang="en-US" altLang="zh-CN" sz="1600" b="1">
               <a:solidFill>

--- a/doc/04.直播.pptx
+++ b/doc/04.直播.pptx
@@ -4809,7 +4809,7 @@
                 <a:latin typeface="微软雅黑" panose="020B0503020204020204" pitchFamily="34" charset="-122"/>
                 <a:ea typeface="微软雅黑" panose="020B0503020204020204" pitchFamily="34" charset="-122"/>
               </a:rPr>
-              <a:t>播主</a:t>
+              <a:t>主播</a:t>
             </a:r>
             <a:r>
               <a:rPr lang="en-US" altLang="zh-CN" sz="1400" b="1">
@@ -5426,7 +5426,7 @@
                 <a:latin typeface="微软雅黑" panose="020B0503020204020204" pitchFamily="34" charset="-122"/>
                 <a:ea typeface="微软雅黑" panose="020B0503020204020204" pitchFamily="34" charset="-122"/>
               </a:rPr>
-              <a:t>博主</a:t>
+              <a:t>主播</a:t>
             </a:r>
             <a:r>
               <a:rPr lang="en-US" altLang="zh-CN" sz="1400" b="1">
